--- a/06-Veri-Aktarimi/flume/00_flume_teori.pptx
+++ b/06-Veri-Aktarimi/flume/00_flume_teori.pptx
@@ -5,7 +5,7 @@
     <p:sldMasterId id="2147483648" r:id="rId1"/>
   </p:sldMasterIdLst>
   <p:notesMasterIdLst>
-    <p:notesMasterId r:id="rId7"/>
+    <p:notesMasterId r:id="rId8"/>
   </p:notesMasterIdLst>
   <p:sldIdLst>
     <p:sldId id="257" r:id="rId2"/>
@@ -13,6 +13,7 @@
     <p:sldId id="260" r:id="rId4"/>
     <p:sldId id="261" r:id="rId5"/>
     <p:sldId id="262" r:id="rId6"/>
+    <p:sldId id="263" r:id="rId7"/>
   </p:sldIdLst>
   <p:sldSz cx="12192000" cy="6858000"/>
   <p:notesSz cx="6858000" cy="9144000"/>
@@ -370,7 +371,7 @@
           <a:p>
             <a:fld id="{6F77F576-AE14-466D-AA6B-335273622B21}" type="datetimeFigureOut">
               <a:rPr lang="en-US" smtClean="0"/>
-              <a:t>10/21/2019</a:t>
+              <a:t>10/26/2019</a:t>
             </a:fld>
             <a:endParaRPr lang="en-US"/>
           </a:p>
@@ -769,7 +770,7 @@
           <a:p>
             <a:fld id="{54AA066D-271F-4C1A-B89A-0705A7689EE9}" type="datetimeFigureOut">
               <a:rPr lang="en-US" smtClean="0"/>
-              <a:t>10/21/2019</a:t>
+              <a:t>10/26/2019</a:t>
             </a:fld>
             <a:endParaRPr lang="en-US"/>
           </a:p>
@@ -939,7 +940,7 @@
           <a:p>
             <a:fld id="{54AA066D-271F-4C1A-B89A-0705A7689EE9}" type="datetimeFigureOut">
               <a:rPr lang="en-US" smtClean="0"/>
-              <a:t>10/21/2019</a:t>
+              <a:t>10/26/2019</a:t>
             </a:fld>
             <a:endParaRPr lang="en-US"/>
           </a:p>
@@ -1119,7 +1120,7 @@
           <a:p>
             <a:fld id="{54AA066D-271F-4C1A-B89A-0705A7689EE9}" type="datetimeFigureOut">
               <a:rPr lang="en-US" smtClean="0"/>
-              <a:t>10/21/2019</a:t>
+              <a:t>10/26/2019</a:t>
             </a:fld>
             <a:endParaRPr lang="en-US"/>
           </a:p>
@@ -1289,7 +1290,7 @@
           <a:p>
             <a:fld id="{54AA066D-271F-4C1A-B89A-0705A7689EE9}" type="datetimeFigureOut">
               <a:rPr lang="en-US" smtClean="0"/>
-              <a:t>10/21/2019</a:t>
+              <a:t>10/26/2019</a:t>
             </a:fld>
             <a:endParaRPr lang="en-US"/>
           </a:p>
@@ -1535,7 +1536,7 @@
           <a:p>
             <a:fld id="{54AA066D-271F-4C1A-B89A-0705A7689EE9}" type="datetimeFigureOut">
               <a:rPr lang="en-US" smtClean="0"/>
-              <a:t>10/21/2019</a:t>
+              <a:t>10/26/2019</a:t>
             </a:fld>
             <a:endParaRPr lang="en-US"/>
           </a:p>
@@ -1767,7 +1768,7 @@
           <a:p>
             <a:fld id="{54AA066D-271F-4C1A-B89A-0705A7689EE9}" type="datetimeFigureOut">
               <a:rPr lang="en-US" smtClean="0"/>
-              <a:t>10/21/2019</a:t>
+              <a:t>10/26/2019</a:t>
             </a:fld>
             <a:endParaRPr lang="en-US"/>
           </a:p>
@@ -2134,7 +2135,7 @@
           <a:p>
             <a:fld id="{54AA066D-271F-4C1A-B89A-0705A7689EE9}" type="datetimeFigureOut">
               <a:rPr lang="en-US" smtClean="0"/>
-              <a:t>10/21/2019</a:t>
+              <a:t>10/26/2019</a:t>
             </a:fld>
             <a:endParaRPr lang="en-US"/>
           </a:p>
@@ -2252,7 +2253,7 @@
           <a:p>
             <a:fld id="{54AA066D-271F-4C1A-B89A-0705A7689EE9}" type="datetimeFigureOut">
               <a:rPr lang="en-US" smtClean="0"/>
-              <a:t>10/21/2019</a:t>
+              <a:t>10/26/2019</a:t>
             </a:fld>
             <a:endParaRPr lang="en-US"/>
           </a:p>
@@ -2347,7 +2348,7 @@
           <a:p>
             <a:fld id="{54AA066D-271F-4C1A-B89A-0705A7689EE9}" type="datetimeFigureOut">
               <a:rPr lang="en-US" smtClean="0"/>
-              <a:t>10/21/2019</a:t>
+              <a:t>10/26/2019</a:t>
             </a:fld>
             <a:endParaRPr lang="en-US"/>
           </a:p>
@@ -2624,7 +2625,7 @@
           <a:p>
             <a:fld id="{54AA066D-271F-4C1A-B89A-0705A7689EE9}" type="datetimeFigureOut">
               <a:rPr lang="en-US" smtClean="0"/>
-              <a:t>10/21/2019</a:t>
+              <a:t>10/26/2019</a:t>
             </a:fld>
             <a:endParaRPr lang="en-US"/>
           </a:p>
@@ -2877,7 +2878,7 @@
           <a:p>
             <a:fld id="{54AA066D-271F-4C1A-B89A-0705A7689EE9}" type="datetimeFigureOut">
               <a:rPr lang="en-US" smtClean="0"/>
-              <a:t>10/21/2019</a:t>
+              <a:t>10/26/2019</a:t>
             </a:fld>
             <a:endParaRPr lang="en-US"/>
           </a:p>
@@ -3090,7 +3091,7 @@
           <a:p>
             <a:fld id="{54AA066D-271F-4C1A-B89A-0705A7689EE9}" type="datetimeFigureOut">
               <a:rPr lang="en-US" smtClean="0"/>
-              <a:t>10/21/2019</a:t>
+              <a:t>10/26/2019</a:t>
             </a:fld>
             <a:endParaRPr lang="en-US"/>
           </a:p>
@@ -6212,6 +6213,402 @@
 </p:sld>
 </file>
 
+<file path=ppt/slides/slide6.xml><?xml version="1.0" encoding="utf-8"?>
+<p:sld xmlns:a="http://schemas.openxmlformats.org/drawingml/2006/main" xmlns:r="http://schemas.openxmlformats.org/officeDocument/2006/relationships" xmlns:p="http://schemas.openxmlformats.org/presentationml/2006/main">
+  <p:cSld>
+    <p:spTree>
+      <p:nvGrpSpPr>
+        <p:cNvPr id="1" name=""/>
+        <p:cNvGrpSpPr/>
+        <p:nvPr/>
+      </p:nvGrpSpPr>
+      <p:grpSpPr>
+        <a:xfrm>
+          <a:off x="0" y="0"/>
+          <a:ext cx="0" cy="0"/>
+          <a:chOff x="0" y="0"/>
+          <a:chExt cx="0" cy="0"/>
+        </a:xfrm>
+      </p:grpSpPr>
+      <p:cxnSp>
+        <p:nvCxnSpPr>
+          <p:cNvPr id="10" name="Düz Bağlayıcı 9"/>
+          <p:cNvCxnSpPr/>
+          <p:nvPr/>
+        </p:nvCxnSpPr>
+        <p:spPr>
+          <a:xfrm>
+            <a:off x="228596" y="6166763"/>
+            <a:ext cx="11768671" cy="0"/>
+          </a:xfrm>
+          <a:prstGeom prst="line">
+            <a:avLst/>
+          </a:prstGeom>
+          <a:ln w="101600" cmpd="thickThin">
+            <a:solidFill>
+              <a:schemeClr val="accent1">
+                <a:lumMod val="75000"/>
+              </a:schemeClr>
+            </a:solidFill>
+          </a:ln>
+        </p:spPr>
+        <p:style>
+          <a:lnRef idx="1">
+            <a:schemeClr val="accent1"/>
+          </a:lnRef>
+          <a:fillRef idx="0">
+            <a:schemeClr val="accent1"/>
+          </a:fillRef>
+          <a:effectRef idx="0">
+            <a:schemeClr val="accent1"/>
+          </a:effectRef>
+          <a:fontRef idx="minor">
+            <a:schemeClr val="tx1"/>
+          </a:fontRef>
+        </p:style>
+      </p:cxnSp>
+      <p:sp>
+        <p:nvSpPr>
+          <p:cNvPr id="17" name="Unvan 1"/>
+          <p:cNvSpPr txBox="1">
+            <a:spLocks/>
+          </p:cNvSpPr>
+          <p:nvPr/>
+        </p:nvSpPr>
+        <p:spPr>
+          <a:xfrm>
+            <a:off x="2998855" y="314296"/>
+            <a:ext cx="6162236" cy="1017548"/>
+          </a:xfrm>
+          <a:prstGeom prst="rect">
+            <a:avLst/>
+          </a:prstGeom>
+        </p:spPr>
+        <p:txBody>
+          <a:bodyPr vert="horz" lIns="91440" tIns="45720" rIns="91440" bIns="45720" rtlCol="0" anchor="b">
+            <a:noAutofit/>
+          </a:bodyPr>
+          <a:lstStyle>
+            <a:lvl1pPr algn="ctr" defTabSz="914400" rtl="0" eaLnBrk="1" latinLnBrk="0" hangingPunct="1">
+              <a:lnSpc>
+                <a:spcPct val="90000"/>
+              </a:lnSpc>
+              <a:spcBef>
+                <a:spcPct val="0"/>
+              </a:spcBef>
+              <a:buNone/>
+              <a:defRPr sz="6000" kern="1200">
+                <a:solidFill>
+                  <a:schemeClr val="tx1"/>
+                </a:solidFill>
+                <a:latin typeface="+mj-lt"/>
+                <a:ea typeface="+mj-ea"/>
+                <a:cs typeface="+mj-cs"/>
+              </a:defRPr>
+            </a:lvl1pPr>
+          </a:lstStyle>
+          <a:p>
+            <a:r>
+              <a:rPr lang="tr-TR" sz="3600" b="1" dirty="0" err="1">
+                <a:solidFill>
+                  <a:srgbClr val="CD1F26"/>
+                </a:solidFill>
+                <a:latin typeface="Arial" panose="020B0604020202020204" pitchFamily="34" charset="0"/>
+                <a:ea typeface="Verdana" panose="020B0604030504040204" pitchFamily="34" charset="0"/>
+                <a:cs typeface="Arial" panose="020B0604020202020204" pitchFamily="34" charset="0"/>
+              </a:rPr>
+              <a:t>Flume</a:t>
+            </a:r>
+            <a:r>
+              <a:rPr lang="tr-TR" sz="3600" b="1" dirty="0">
+                <a:solidFill>
+                  <a:srgbClr val="CD1F26"/>
+                </a:solidFill>
+                <a:latin typeface="Arial" panose="020B0604020202020204" pitchFamily="34" charset="0"/>
+                <a:ea typeface="Verdana" panose="020B0604030504040204" pitchFamily="34" charset="0"/>
+                <a:cs typeface="Arial" panose="020B0604020202020204" pitchFamily="34" charset="0"/>
+              </a:rPr>
+              <a:t> Veri Kaynakları</a:t>
+            </a:r>
+          </a:p>
+          <a:p>
+            <a:r>
+              <a:rPr lang="tr-TR" sz="3600" b="1" dirty="0" err="1">
+                <a:solidFill>
+                  <a:srgbClr val="CD1F26"/>
+                </a:solidFill>
+                <a:latin typeface="Arial" panose="020B0604020202020204" pitchFamily="34" charset="0"/>
+                <a:ea typeface="Verdana" panose="020B0604030504040204" pitchFamily="34" charset="0"/>
+                <a:cs typeface="Arial" panose="020B0604020202020204" pitchFamily="34" charset="0"/>
+              </a:rPr>
+              <a:t>Sinks</a:t>
+            </a:r>
+            <a:endParaRPr lang="en-US" sz="3600" b="1" dirty="0">
+              <a:solidFill>
+                <a:srgbClr val="CD1F26"/>
+              </a:solidFill>
+              <a:latin typeface="Arial" panose="020B0604020202020204" pitchFamily="34" charset="0"/>
+              <a:ea typeface="Verdana" panose="020B0604030504040204" pitchFamily="34" charset="0"/>
+              <a:cs typeface="Arial" panose="020B0604020202020204" pitchFamily="34" charset="0"/>
+            </a:endParaRPr>
+          </a:p>
+        </p:txBody>
+      </p:sp>
+      <p:sp>
+        <p:nvSpPr>
+          <p:cNvPr id="18" name="Dikdörtgen 17"/>
+          <p:cNvSpPr/>
+          <p:nvPr/>
+        </p:nvSpPr>
+        <p:spPr>
+          <a:xfrm>
+            <a:off x="2587154" y="1527152"/>
+            <a:ext cx="7280410" cy="3347840"/>
+          </a:xfrm>
+          <a:prstGeom prst="rect">
+            <a:avLst/>
+          </a:prstGeom>
+        </p:spPr>
+        <p:txBody>
+          <a:bodyPr wrap="square">
+            <a:spAutoFit/>
+          </a:bodyPr>
+          <a:lstStyle/>
+          <a:p>
+            <a:pPr>
+              <a:lnSpc>
+                <a:spcPct val="150000"/>
+              </a:lnSpc>
+            </a:pPr>
+            <a:r>
+              <a:rPr lang="tr-TR" sz="2400" dirty="0">
+                <a:solidFill>
+                  <a:srgbClr val="0070C0"/>
+                </a:solidFill>
+                <a:latin typeface="Roboto"/>
+              </a:rPr>
+              <a:t>Kaynak </a:t>
+            </a:r>
+            <a:r>
+              <a:rPr lang="tr-TR" sz="2400" dirty="0" err="1">
+                <a:solidFill>
+                  <a:srgbClr val="0070C0"/>
+                </a:solidFill>
+                <a:latin typeface="Roboto"/>
+              </a:rPr>
+              <a:t>gelellikle</a:t>
+            </a:r>
+            <a:r>
+              <a:rPr lang="tr-TR" sz="2400" dirty="0">
+                <a:solidFill>
+                  <a:srgbClr val="0070C0"/>
+                </a:solidFill>
+                <a:latin typeface="Roboto"/>
+              </a:rPr>
+              <a:t> sunucu </a:t>
+            </a:r>
+            <a:r>
+              <a:rPr lang="tr-TR" sz="2400" dirty="0" err="1">
+                <a:solidFill>
+                  <a:srgbClr val="0070C0"/>
+                </a:solidFill>
+                <a:latin typeface="Roboto"/>
+              </a:rPr>
+              <a:t>loglarıdır</a:t>
+            </a:r>
+            <a:r>
+              <a:rPr lang="tr-TR" sz="2400">
+                <a:solidFill>
+                  <a:srgbClr val="0070C0"/>
+                </a:solidFill>
+                <a:latin typeface="Roboto"/>
+              </a:rPr>
+              <a:t>.</a:t>
+            </a:r>
+          </a:p>
+          <a:p>
+            <a:pPr marL="457200" indent="-457200">
+              <a:lnSpc>
+                <a:spcPct val="150000"/>
+              </a:lnSpc>
+              <a:buFont typeface="+mj-lt"/>
+              <a:buAutoNum type="arabicPeriod"/>
+            </a:pPr>
+            <a:r>
+              <a:rPr lang="tr-TR" sz="2400" dirty="0" err="1">
+                <a:solidFill>
+                  <a:srgbClr val="0070C0"/>
+                </a:solidFill>
+                <a:latin typeface="Roboto"/>
+              </a:rPr>
+              <a:t>netcat</a:t>
+            </a:r>
+            <a:endParaRPr lang="tr-TR" sz="2400" dirty="0">
+              <a:solidFill>
+                <a:srgbClr val="0070C0"/>
+              </a:solidFill>
+              <a:latin typeface="Roboto"/>
+            </a:endParaRPr>
+          </a:p>
+          <a:p>
+            <a:pPr marL="457200" indent="-457200">
+              <a:lnSpc>
+                <a:spcPct val="150000"/>
+              </a:lnSpc>
+              <a:buFont typeface="+mj-lt"/>
+              <a:buAutoNum type="arabicPeriod"/>
+            </a:pPr>
+            <a:r>
+              <a:rPr lang="tr-TR" sz="2400" dirty="0" err="1">
+                <a:solidFill>
+                  <a:srgbClr val="0070C0"/>
+                </a:solidFill>
+                <a:latin typeface="Roboto"/>
+              </a:rPr>
+              <a:t>exec</a:t>
+            </a:r>
+            <a:endParaRPr lang="tr-TR" sz="2400" dirty="0">
+              <a:solidFill>
+                <a:srgbClr val="0070C0"/>
+              </a:solidFill>
+              <a:latin typeface="Roboto"/>
+            </a:endParaRPr>
+          </a:p>
+          <a:p>
+            <a:pPr marL="457200" indent="-457200">
+              <a:lnSpc>
+                <a:spcPct val="150000"/>
+              </a:lnSpc>
+              <a:buFont typeface="+mj-lt"/>
+              <a:buAutoNum type="arabicPeriod"/>
+            </a:pPr>
+            <a:r>
+              <a:rPr lang="tr-TR" sz="2400" dirty="0" err="1">
+                <a:solidFill>
+                  <a:srgbClr val="0070C0"/>
+                </a:solidFill>
+                <a:latin typeface="Roboto"/>
+              </a:rPr>
+              <a:t>syslog</a:t>
+            </a:r>
+            <a:endParaRPr lang="tr-TR" sz="2400" dirty="0">
+              <a:solidFill>
+                <a:srgbClr val="0070C0"/>
+              </a:solidFill>
+              <a:latin typeface="Roboto"/>
+            </a:endParaRPr>
+          </a:p>
+          <a:p>
+            <a:pPr marL="457200" indent="-457200">
+              <a:lnSpc>
+                <a:spcPct val="150000"/>
+              </a:lnSpc>
+              <a:buFont typeface="+mj-lt"/>
+              <a:buAutoNum type="arabicPeriod"/>
+            </a:pPr>
+            <a:r>
+              <a:rPr lang="tr-TR" sz="2400" dirty="0">
+                <a:solidFill>
+                  <a:srgbClr val="0070C0"/>
+                </a:solidFill>
+                <a:latin typeface="Roboto"/>
+              </a:rPr>
+              <a:t>avro</a:t>
+            </a:r>
+          </a:p>
+          <a:p>
+            <a:pPr marL="457200" indent="-457200">
+              <a:lnSpc>
+                <a:spcPct val="150000"/>
+              </a:lnSpc>
+              <a:buFont typeface="+mj-lt"/>
+              <a:buAutoNum type="arabicPeriod"/>
+            </a:pPr>
+            <a:r>
+              <a:rPr lang="tr-TR" sz="2400" dirty="0" err="1">
+                <a:solidFill>
+                  <a:srgbClr val="0070C0"/>
+                </a:solidFill>
+                <a:latin typeface="Roboto"/>
+              </a:rPr>
+              <a:t>And</a:t>
+            </a:r>
+            <a:r>
+              <a:rPr lang="tr-TR" sz="2400" dirty="0">
+                <a:solidFill>
+                  <a:srgbClr val="0070C0"/>
+                </a:solidFill>
+                <a:latin typeface="Roboto"/>
+              </a:rPr>
+              <a:t> </a:t>
+            </a:r>
+            <a:r>
+              <a:rPr lang="tr-TR" sz="2400" dirty="0" err="1">
+                <a:solidFill>
+                  <a:srgbClr val="0070C0"/>
+                </a:solidFill>
+                <a:latin typeface="Roboto"/>
+              </a:rPr>
+              <a:t>more</a:t>
+            </a:r>
+            <a:endParaRPr lang="tr-TR" sz="2400" dirty="0">
+              <a:solidFill>
+                <a:srgbClr val="0070C0"/>
+              </a:solidFill>
+              <a:latin typeface="Roboto"/>
+            </a:endParaRPr>
+          </a:p>
+        </p:txBody>
+      </p:sp>
+      <p:pic>
+        <p:nvPicPr>
+          <p:cNvPr id="16" name="Resim 15">
+            <a:extLst>
+              <a:ext uri="{FF2B5EF4-FFF2-40B4-BE49-F238E27FC236}">
+                <a16:creationId xmlns:a16="http://schemas.microsoft.com/office/drawing/2014/main" id="{A626F089-DF7A-457A-8496-B3D473B80069}"/>
+              </a:ext>
+            </a:extLst>
+          </p:cNvPr>
+          <p:cNvPicPr>
+            <a:picLocks noChangeAspect="1"/>
+          </p:cNvPicPr>
+          <p:nvPr/>
+        </p:nvPicPr>
+        <p:blipFill>
+          <a:blip r:embed="rId2" cstate="print">
+            <a:extLst>
+              <a:ext uri="{28A0092B-C50C-407E-A947-70E740481C1C}">
+                <a14:useLocalDpi xmlns:a14="http://schemas.microsoft.com/office/drawing/2010/main" val="0"/>
+              </a:ext>
+            </a:extLst>
+          </a:blip>
+          <a:stretch>
+            <a:fillRect/>
+          </a:stretch>
+        </p:blipFill>
+        <p:spPr>
+          <a:xfrm>
+            <a:off x="340622" y="6362072"/>
+            <a:ext cx="2154700" cy="308365"/>
+          </a:xfrm>
+          <a:prstGeom prst="rect">
+            <a:avLst/>
+          </a:prstGeom>
+        </p:spPr>
+      </p:pic>
+    </p:spTree>
+    <p:extLst>
+      <p:ext uri="{BB962C8B-B14F-4D97-AF65-F5344CB8AC3E}">
+        <p14:creationId xmlns:p14="http://schemas.microsoft.com/office/powerpoint/2010/main" val="4127130525"/>
+      </p:ext>
+    </p:extLst>
+  </p:cSld>
+  <p:clrMapOvr>
+    <a:masterClrMapping/>
+  </p:clrMapOvr>
+</p:sld>
+</file>
+
 <file path=ppt/theme/theme1.xml><?xml version="1.0" encoding="utf-8"?>
 <a:theme xmlns:a="http://schemas.openxmlformats.org/drawingml/2006/main" name="Office Teması">
   <a:themeElements>
